--- a/Quick_sort.pptx
+++ b/Quick_sort.pptx
@@ -8,9 +8,10 @@
     <p:sldId id="256" r:id="rId2"/>
     <p:sldId id="257" r:id="rId3"/>
     <p:sldId id="258" r:id="rId4"/>
-    <p:sldId id="259" r:id="rId5"/>
-    <p:sldId id="260" r:id="rId6"/>
-    <p:sldId id="261" r:id="rId7"/>
+    <p:sldId id="262" r:id="rId5"/>
+    <p:sldId id="259" r:id="rId6"/>
+    <p:sldId id="260" r:id="rId7"/>
+    <p:sldId id="261" r:id="rId8"/>
   </p:sldIdLst>
   <p:sldSz cx="12192000" cy="6858000"/>
   <p:notesSz cx="6858000" cy="9144000"/>
@@ -109,6 +110,11 @@
       </a:defRPr>
     </a:lvl9pPr>
   </p:defaultTextStyle>
+  <p:extLst>
+    <p:ext uri="{EFAFB233-063F-42B5-8137-9DF3F51BA10A}">
+      <p15:sldGuideLst xmlns:p15="http://schemas.microsoft.com/office/powerpoint/2012/main"/>
+    </p:ext>
+  </p:extLst>
 </p:presentation>
 </file>
 
@@ -3504,6 +3510,271 @@
             <p:ph type="title"/>
           </p:nvPr>
         </p:nvSpPr>
+        <p:spPr>
+          <a:xfrm>
+            <a:off x="847437" y="0"/>
+            <a:ext cx="10515600" cy="1325563"/>
+          </a:xfrm>
+        </p:spPr>
+        <p:txBody>
+          <a:bodyPr>
+            <a:normAutofit/>
+          </a:bodyPr>
+          <a:lstStyle/>
+          <a:p>
+            <a:pPr algn="ctr"/>
+            <a:r>
+              <a:rPr lang="ru-RU" sz="2400" dirty="0" smtClean="0"/>
+              <a:t>Оценка сложности алгоритма</a:t>
+            </a:r>
+            <a:endParaRPr lang="ru-RU" sz="2400" dirty="0"/>
+          </a:p>
+        </p:txBody>
+      </p:sp>
+      <p:sp>
+        <p:nvSpPr>
+          <p:cNvPr id="3" name="Объект 2"/>
+          <p:cNvSpPr>
+            <a:spLocks noGrp="1"/>
+          </p:cNvSpPr>
+          <p:nvPr>
+            <p:ph idx="1"/>
+          </p:nvPr>
+        </p:nvSpPr>
+        <p:spPr>
+          <a:xfrm>
+            <a:off x="644236" y="1066800"/>
+            <a:ext cx="10515600" cy="5791200"/>
+          </a:xfrm>
+        </p:spPr>
+        <p:txBody>
+          <a:bodyPr>
+            <a:normAutofit fontScale="62500" lnSpcReduction="20000"/>
+          </a:bodyPr>
+          <a:lstStyle/>
+          <a:p>
+            <a:pPr marL="0" indent="0">
+              <a:buNone/>
+            </a:pPr>
+            <a:r>
+              <a:rPr lang="ru-RU" dirty="0" smtClean="0"/>
+              <a:t>Ясно</a:t>
+            </a:r>
+            <a:r>
+              <a:rPr lang="ru-RU" dirty="0"/>
+              <a:t>, что операция разделения массива на две части относительно опорного элемента занимает </a:t>
+            </a:r>
+            <a:r>
+              <a:rPr lang="ru-RU" dirty="0" smtClean="0"/>
+              <a:t>O(</a:t>
+            </a:r>
+            <a:r>
+              <a:rPr lang="ru-RU" dirty="0" err="1" smtClean="0"/>
+              <a:t>log</a:t>
+            </a:r>
+            <a:r>
+              <a:rPr lang="ru-RU" dirty="0" smtClean="0"/>
+              <a:t> {</a:t>
+            </a:r>
+            <a:r>
+              <a:rPr lang="ru-RU" dirty="0"/>
+              <a:t>2}n)}. Поскольку все операции разделения, проделываемые на одной глубине рекурсии, обрабатывают разные части исходного массива, размер которого постоянен, суммарно на каждом уровне рекурсии потребуется также </a:t>
+            </a:r>
+            <a:r>
+              <a:rPr lang="ru-RU" dirty="0" smtClean="0"/>
+              <a:t>O(n</a:t>
+            </a:r>
+            <a:r>
+              <a:rPr lang="ru-RU" dirty="0"/>
+              <a:t>) операций. Следовательно, общая сложность алгоритма определяется лишь количеством разделений, то есть глубиной рекурсии. Глубина рекурсии, в свою очередь, зависит от сочетания входных данных и способа определения опорного </a:t>
+            </a:r>
+            <a:r>
+              <a:rPr lang="ru-RU" dirty="0" smtClean="0"/>
+              <a:t>элемента.</a:t>
+            </a:r>
+          </a:p>
+          <a:p>
+            <a:pPr marL="0" indent="0">
+              <a:buNone/>
+            </a:pPr>
+            <a:r>
+              <a:rPr lang="ru-RU" dirty="0" smtClean="0"/>
+              <a:t>Лучший </a:t>
+            </a:r>
+            <a:r>
+              <a:rPr lang="ru-RU" dirty="0"/>
+              <a:t>случай.</a:t>
+            </a:r>
+          </a:p>
+          <a:p>
+            <a:pPr marL="0" indent="0">
+              <a:buNone/>
+            </a:pPr>
+            <a:r>
+              <a:rPr lang="ru-RU" dirty="0"/>
+              <a:t>В наиболее сбалансированном варианте при каждой операции разделения массив делится на две одинаковые (плюс-минус один элемент) части, следовательно, максимальная глубина рекурсии, при которой размеры обрабатываемых </a:t>
+            </a:r>
+            <a:r>
+              <a:rPr lang="ru-RU" dirty="0" err="1"/>
+              <a:t>подмассивов</a:t>
+            </a:r>
+            <a:r>
+              <a:rPr lang="ru-RU" dirty="0"/>
+              <a:t> достигнут 1, составит </a:t>
+            </a:r>
+            <a:r>
+              <a:rPr lang="ru-RU" dirty="0" err="1" smtClean="0"/>
+              <a:t>log</a:t>
+            </a:r>
+            <a:r>
+              <a:rPr lang="ru-RU" dirty="0" smtClean="0"/>
+              <a:t> {</a:t>
+            </a:r>
+            <a:r>
+              <a:rPr lang="ru-RU" dirty="0"/>
+              <a:t>2}n. В результате количество сравнений, совершаемых быстрой сортировкой, было бы равно значению рекурсивного </a:t>
+            </a:r>
+            <a:r>
+              <a:rPr lang="ru-RU" dirty="0" smtClean="0"/>
+              <a:t>выражения, </a:t>
+            </a:r>
+            <a:r>
+              <a:rPr lang="ru-RU" dirty="0"/>
+              <a:t>что даёт общую сложность алгоритма </a:t>
+            </a:r>
+            <a:r>
+              <a:rPr lang="ru-RU" dirty="0" smtClean="0"/>
+              <a:t>O(n* </a:t>
+            </a:r>
+            <a:r>
+              <a:rPr lang="ru-RU" dirty="0" err="1" smtClean="0"/>
+              <a:t>log</a:t>
+            </a:r>
+            <a:r>
+              <a:rPr lang="ru-RU" dirty="0" smtClean="0"/>
+              <a:t> {</a:t>
+            </a:r>
+            <a:r>
+              <a:rPr lang="ru-RU" dirty="0"/>
+              <a:t>2}n).</a:t>
+            </a:r>
+          </a:p>
+          <a:p>
+            <a:pPr marL="0" indent="0">
+              <a:buNone/>
+            </a:pPr>
+            <a:r>
+              <a:rPr lang="ru-RU" dirty="0" smtClean="0"/>
+              <a:t>Худший </a:t>
+            </a:r>
+            <a:r>
+              <a:rPr lang="ru-RU" dirty="0"/>
+              <a:t>случай.</a:t>
+            </a:r>
+          </a:p>
+          <a:p>
+            <a:pPr marL="0" indent="0">
+              <a:buNone/>
+            </a:pPr>
+            <a:r>
+              <a:rPr lang="ru-RU" dirty="0"/>
+              <a:t>В самом несбалансированном варианте каждое разделение даёт два </a:t>
+            </a:r>
+            <a:r>
+              <a:rPr lang="ru-RU" dirty="0" err="1"/>
+              <a:t>подмассива</a:t>
+            </a:r>
+            <a:r>
+              <a:rPr lang="ru-RU" dirty="0"/>
+              <a:t> размерами </a:t>
+            </a:r>
+            <a:r>
+              <a:rPr lang="ru-RU" dirty="0" smtClean="0"/>
+              <a:t>1 </a:t>
+            </a:r>
+            <a:r>
+              <a:rPr lang="ru-RU" dirty="0"/>
+              <a:t>и </a:t>
+            </a:r>
+            <a:r>
+              <a:rPr lang="ru-RU" dirty="0" smtClean="0"/>
+              <a:t>n-1</a:t>
+            </a:r>
+            <a:r>
+              <a:rPr lang="ru-RU" dirty="0"/>
+              <a:t>, то есть при каждом рекурсивном вызове больший массив будет на 1 короче, чем в предыдущий раз. Такое может произойти, если в качестве опорного на каждом этапе будет выбран элемент либо наименьший, либо наибольший из всех обрабатываемых. При простейшем выборе опорного элемента — первого или последнего в массиве, — такой эффект даст уже отсортированный (в прямом или обратном порядке) массив, для среднего или любого другого фиксированного элемента «массив худшего случая» также может быть специально подобран. В этом случае потребуется </a:t>
+            </a:r>
+            <a:r>
+              <a:rPr lang="ru-RU" dirty="0" smtClean="0"/>
+              <a:t>n-1 </a:t>
+            </a:r>
+            <a:r>
+              <a:rPr lang="ru-RU" dirty="0"/>
+              <a:t>операций разделения, а общее время работы </a:t>
+            </a:r>
+            <a:r>
+              <a:rPr lang="ru-RU" dirty="0" smtClean="0"/>
+              <a:t>O(n^2)операций</a:t>
+            </a:r>
+            <a:r>
+              <a:rPr lang="ru-RU" dirty="0"/>
+              <a:t>, то есть сортировка будет выполняться за квадратичное время. Но количество обменов и, соответственно, время работы — это не самый большой его недостаток. Хуже то, что в таком случае глубина рекурсии при выполнении алгоритма достигнет n, что будет означать n-кратное сохранение адреса возврата и локальных переменных процедуры разделения массивов. Для больших значений n худший случай может привести к исчерпанию памяти (переполнению стека) во время работы программы</a:t>
+            </a:r>
+            <a:r>
+              <a:rPr lang="ru-RU" dirty="0" smtClean="0"/>
+              <a:t>.</a:t>
+            </a:r>
+            <a:endParaRPr lang="ru-RU" dirty="0"/>
+          </a:p>
+        </p:txBody>
+      </p:sp>
+    </p:spTree>
+    <p:extLst>
+      <p:ext uri="{BB962C8B-B14F-4D97-AF65-F5344CB8AC3E}">
+        <p14:creationId xmlns:p14="http://schemas.microsoft.com/office/powerpoint/2010/main" val="2849019995"/>
+      </p:ext>
+    </p:extLst>
+  </p:cSld>
+  <p:clrMapOvr>
+    <a:masterClrMapping/>
+  </p:clrMapOvr>
+  <p:timing>
+    <p:tnLst>
+      <p:par>
+        <p:cTn id="1" dur="indefinite" restart="never" nodeType="tmRoot"/>
+      </p:par>
+    </p:tnLst>
+  </p:timing>
+</p:sld>
+</file>
+
+<file path=ppt/slides/slide5.xml><?xml version="1.0" encoding="utf-8"?>
+<p:sld xmlns:a="http://schemas.openxmlformats.org/drawingml/2006/main" xmlns:r="http://schemas.openxmlformats.org/officeDocument/2006/relationships" xmlns:p="http://schemas.openxmlformats.org/presentationml/2006/main">
+  <p:cSld>
+    <p:spTree>
+      <p:nvGrpSpPr>
+        <p:cNvPr id="1" name=""/>
+        <p:cNvGrpSpPr/>
+        <p:nvPr/>
+      </p:nvGrpSpPr>
+      <p:grpSpPr>
+        <a:xfrm>
+          <a:off x="0" y="0"/>
+          <a:ext cx="0" cy="0"/>
+          <a:chOff x="0" y="0"/>
+          <a:chExt cx="0" cy="0"/>
+        </a:xfrm>
+      </p:grpSpPr>
+      <p:sp>
+        <p:nvSpPr>
+          <p:cNvPr id="2" name="Заголовок 1"/>
+          <p:cNvSpPr>
+            <a:spLocks noGrp="1"/>
+          </p:cNvSpPr>
+          <p:nvPr>
+            <p:ph type="title"/>
+          </p:nvPr>
+        </p:nvSpPr>
         <p:spPr/>
         <p:txBody>
           <a:bodyPr/>
@@ -3571,7 +3842,7 @@
 </p:sld>
 </file>
 
-<file path=ppt/slides/slide5.xml><?xml version="1.0" encoding="utf-8"?>
+<file path=ppt/slides/slide6.xml><?xml version="1.0" encoding="utf-8"?>
 <p:sld xmlns:a="http://schemas.openxmlformats.org/drawingml/2006/main" xmlns:r="http://schemas.openxmlformats.org/officeDocument/2006/relationships" xmlns:p="http://schemas.openxmlformats.org/presentationml/2006/main">
   <p:cSld>
     <p:spTree>
@@ -3726,7 +3997,7 @@
 </p:sld>
 </file>
 
-<file path=ppt/slides/slide6.xml><?xml version="1.0" encoding="utf-8"?>
+<file path=ppt/slides/slide7.xml><?xml version="1.0" encoding="utf-8"?>
 <p:sld xmlns:a="http://schemas.openxmlformats.org/drawingml/2006/main" xmlns:r="http://schemas.openxmlformats.org/officeDocument/2006/relationships" xmlns:p="http://schemas.openxmlformats.org/presentationml/2006/main">
   <p:cSld>
     <p:spTree>
